--- a/Flutter_Bootcamp_Review.pptx
+++ b/Flutter_Bootcamp_Review.pptx
@@ -12,6 +12,7 @@
     <p:sldId id="260" r:id="rId7"/>
     <p:sldId id="261" r:id="rId8"/>
     <p:sldId id="262" r:id="rId9"/>
+    <p:sldId id="263" r:id="rId10"/>
   </p:sldIdLst>
   <p:sldSz cx="12192000" cy="6858000"/>
   <p:notesSz cx="6858000" cy="12192000"/>
@@ -7622,7 +7623,7 @@
           <a:graphicData uri="http://schemas.openxmlformats.org/drawingml/2006/table">
             <a:tbl>
               <a:tblPr firstRow="1" firstCol="0" lastRow="0" lastCol="0" bandRow="1" bandCol="0">
-                <a:tableStyleId>{D5D568F9-893A-F3DF-876F-86173BB33DF1}</a:tableStyleId>
+                <a:tableStyleId>{8838399F-B5AB-DCD8-3B23-EC247A49614D}</a:tableStyleId>
               </a:tblPr>
               <a:tblGrid>
                 <a:gridCol w="2880000"/>
@@ -12969,6 +12970,2054 @@
 </p:sld>
 </file>
 
+<file path=ppt/slides/slide8.xml><?xml version="1.0" encoding="utf-8"?>
+<p:sld xmlns:a="http://schemas.openxmlformats.org/drawingml/2006/main" xmlns:r="http://schemas.openxmlformats.org/officeDocument/2006/relationships" xmlns:p="http://schemas.openxmlformats.org/presentationml/2006/main" xmlns:m="http://schemas.openxmlformats.org/officeDocument/2006/math" xmlns:w="http://schemas.openxmlformats.org/wordprocessingml/2006/main" showMasterPhAnim="0" show="1">
+  <p:cSld name="">
+    <p:bg>
+      <p:bgPr shadeToTitle="0">
+        <a:gradFill>
+          <a:gsLst>
+            <a:gs pos="89000">
+              <a:schemeClr val="tx1"/>
+            </a:gs>
+            <a:gs pos="100000">
+              <a:schemeClr val="tx1">
+                <a:lumMod val="75000"/>
+                <a:lumOff val="25000"/>
+              </a:schemeClr>
+            </a:gs>
+          </a:gsLst>
+          <a:lin ang="5400000" scaled="1"/>
+        </a:gradFill>
+      </p:bgPr>
+    </p:bg>
+    <p:spTree>
+      <p:nvGrpSpPr>
+        <p:cNvPr id="1" name="" hidden="0"/>
+        <p:cNvGrpSpPr/>
+        <p:nvPr isPhoto="0" userDrawn="0"/>
+      </p:nvGrpSpPr>
+      <p:grpSpPr bwMode="auto">
+        <a:xfrm>
+          <a:off x="0" y="0"/>
+          <a:ext cx="0" cy="0"/>
+          <a:chOff x="0" y="0"/>
+          <a:chExt cx="0" cy="0"/>
+        </a:xfrm>
+      </p:grpSpPr>
+      <p:sp>
+        <p:nvSpPr>
+          <p:cNvPr id="4" name="Slide Number Placeholder 5" hidden="0"/>
+          <p:cNvSpPr>
+            <a:spLocks noGrp="1"/>
+          </p:cNvSpPr>
+          <p:nvPr isPhoto="0" userDrawn="0">
+            <p:ph type="sldNum" sz="quarter" idx="12" hasCustomPrompt="0"/>
+          </p:nvPr>
+        </p:nvSpPr>
+        <p:spPr bwMode="auto"/>
+        <p:txBody>
+          <a:bodyPr/>
+          <a:lstStyle/>
+          <a:p>
+            <a:pPr>
+              <a:defRPr/>
+            </a:pPr>
+            <a:fld id="{3BB3D5A7-FF2F-794E-CFB9-6F08DA5280DE}" type="slidenum">
+              <a:rPr lang="en-US"/>
+              <a:t/>
+            </a:fld>
+            <a:endParaRPr lang="en-US"/>
+          </a:p>
+        </p:txBody>
+      </p:sp>
+      <p:sp>
+        <p:nvSpPr>
+          <p:cNvPr id="5" name="Date Placeholder 3" hidden="0"/>
+          <p:cNvSpPr>
+            <a:spLocks noGrp="1"/>
+          </p:cNvSpPr>
+          <p:nvPr isPhoto="0" userDrawn="0">
+            <p:ph type="dt" sz="half" idx="10" hasCustomPrompt="0"/>
+          </p:nvPr>
+        </p:nvSpPr>
+        <p:spPr bwMode="auto"/>
+        <p:txBody>
+          <a:bodyPr/>
+          <a:lstStyle/>
+          <a:p>
+            <a:pPr>
+              <a:defRPr/>
+            </a:pPr>
+            <a:fld id="{E0133C17-9A66-CFDB-8E7E-B855F852EA64}" type="datetime">
+              <a:rPr lang="en-US"/>
+              <a:t/>
+            </a:fld>
+            <a:endParaRPr/>
+          </a:p>
+        </p:txBody>
+      </p:sp>
+      <p:sp>
+        <p:nvSpPr>
+          <p:cNvPr id="6" name="Title 1" hidden="0"/>
+          <p:cNvSpPr>
+            <a:spLocks noGrp="1"/>
+          </p:cNvSpPr>
+          <p:nvPr isPhoto="0" userDrawn="0">
+            <p:ph type="title" hasCustomPrompt="0"/>
+          </p:nvPr>
+        </p:nvSpPr>
+        <p:spPr bwMode="auto">
+          <a:xfrm flipH="0" flipV="0">
+            <a:off x="838197" y="106311"/>
+            <a:ext cx="10515600" cy="952977"/>
+          </a:xfrm>
+        </p:spPr>
+        <p:txBody>
+          <a:bodyPr/>
+          <a:lstStyle/>
+          <a:p>
+            <a:pPr>
+              <a:defRPr/>
+            </a:pPr>
+            <a:r>
+              <a:rPr sz="3600">
+                <a:solidFill>
+                  <a:schemeClr val="bg1"/>
+                </a:solidFill>
+              </a:rPr>
+              <a:t>How do I use animations?</a:t>
+            </a:r>
+            <a:endParaRPr sz="3600">
+              <a:solidFill>
+                <a:schemeClr val="bg1"/>
+              </a:solidFill>
+            </a:endParaRPr>
+          </a:p>
+        </p:txBody>
+      </p:sp>
+      <p:sp>
+        <p:nvSpPr>
+          <p:cNvPr id="7" name="Content Placeholder 2" hidden="0"/>
+          <p:cNvSpPr>
+            <a:spLocks noGrp="1"/>
+          </p:cNvSpPr>
+          <p:nvPr isPhoto="0" userDrawn="0">
+            <p:ph sz="half" idx="1" hasCustomPrompt="0"/>
+          </p:nvPr>
+        </p:nvSpPr>
+        <p:spPr bwMode="auto">
+          <a:xfrm flipH="0" flipV="0">
+            <a:off x="838197" y="1402290"/>
+            <a:ext cx="5181595" cy="5012793"/>
+          </a:xfrm>
+          <a:prstGeom prst="rect">
+            <a:avLst/>
+          </a:prstGeom>
+          <a:ln w="12699">
+            <a:noFill/>
+            <a:prstDash val="solid"/>
+          </a:ln>
+        </p:spPr>
+        <p:txBody>
+          <a:bodyPr/>
+          <a:lstStyle/>
+          <a:p>
+            <a:pPr marL="0" indent="0">
+              <a:buNone/>
+              <a:defRPr/>
+            </a:pPr>
+            <a:r>
+              <a:rPr sz="1050" b="0" i="0" u="none">
+                <a:solidFill>
+                  <a:srgbClr val="A9B7C6"/>
+                </a:solidFill>
+                <a:latin typeface="DejaVu Sans Mono"/>
+                <a:ea typeface="DejaVu Sans Mono"/>
+                <a:cs typeface="DejaVu Sans Mono"/>
+              </a:rPr>
+              <a:t>AnimationController </a:t>
+            </a:r>
+            <a:r>
+              <a:rPr sz="1050" b="0" i="0" u="none">
+                <a:solidFill>
+                  <a:srgbClr val="9876AA"/>
+                </a:solidFill>
+                <a:latin typeface="DejaVu Sans Mono"/>
+                <a:ea typeface="DejaVu Sans Mono"/>
+                <a:cs typeface="DejaVu Sans Mono"/>
+              </a:rPr>
+              <a:t>controller</a:t>
+            </a:r>
+            <a:r>
+              <a:rPr sz="1050" b="0" i="0" u="none">
+                <a:solidFill>
+                  <a:srgbClr val="CC7832"/>
+                </a:solidFill>
+                <a:latin typeface="DejaVu Sans Mono"/>
+                <a:ea typeface="DejaVu Sans Mono"/>
+                <a:cs typeface="DejaVu Sans Mono"/>
+              </a:rPr>
+              <a:t>;</a:t>
+            </a:r>
+            <a:br>
+              <a:rPr sz="1050" b="0" i="0" u="none">
+                <a:solidFill>
+                  <a:srgbClr val="CC7832"/>
+                </a:solidFill>
+                <a:latin typeface="DejaVu Sans Mono"/>
+                <a:ea typeface="DejaVu Sans Mono"/>
+                <a:cs typeface="DejaVu Sans Mono"/>
+              </a:rPr>
+            </a:br>
+            <a:r>
+              <a:rPr sz="1050" b="0" i="0" u="none">
+                <a:solidFill>
+                  <a:srgbClr val="A9B7C6"/>
+                </a:solidFill>
+                <a:latin typeface="DejaVu Sans Mono"/>
+                <a:ea typeface="DejaVu Sans Mono"/>
+                <a:cs typeface="DejaVu Sans Mono"/>
+              </a:rPr>
+              <a:t>Animation </a:t>
+            </a:r>
+            <a:r>
+              <a:rPr sz="1050" b="0" i="0" u="none">
+                <a:solidFill>
+                  <a:srgbClr val="9876AA"/>
+                </a:solidFill>
+                <a:latin typeface="DejaVu Sans Mono"/>
+                <a:ea typeface="DejaVu Sans Mono"/>
+                <a:cs typeface="DejaVu Sans Mono"/>
+              </a:rPr>
+              <a:t>animation</a:t>
+            </a:r>
+            <a:r>
+              <a:rPr sz="1050" b="0" i="0" u="none">
+                <a:solidFill>
+                  <a:srgbClr val="CC7832"/>
+                </a:solidFill>
+                <a:latin typeface="DejaVu Sans Mono"/>
+                <a:ea typeface="DejaVu Sans Mono"/>
+                <a:cs typeface="DejaVu Sans Mono"/>
+              </a:rPr>
+              <a:t>;</a:t>
+            </a:r>
+            <a:br>
+              <a:rPr sz="1050" b="0" i="0" u="none">
+                <a:solidFill>
+                  <a:srgbClr val="CC7832"/>
+                </a:solidFill>
+                <a:latin typeface="DejaVu Sans Mono"/>
+                <a:ea typeface="DejaVu Sans Mono"/>
+                <a:cs typeface="DejaVu Sans Mono"/>
+              </a:rPr>
+            </a:br>
+            <a:br>
+              <a:rPr sz="1050" b="0" i="0" u="none">
+                <a:solidFill>
+                  <a:srgbClr val="CC7832"/>
+                </a:solidFill>
+                <a:latin typeface="DejaVu Sans Mono"/>
+                <a:ea typeface="DejaVu Sans Mono"/>
+                <a:cs typeface="DejaVu Sans Mono"/>
+              </a:rPr>
+            </a:br>
+            <a:r>
+              <a:rPr sz="1050" b="0" i="0" u="none">
+                <a:solidFill>
+                  <a:srgbClr val="BBB529"/>
+                </a:solidFill>
+                <a:latin typeface="DejaVu Sans Mono"/>
+                <a:ea typeface="DejaVu Sans Mono"/>
+                <a:cs typeface="DejaVu Sans Mono"/>
+              </a:rPr>
+              <a:t>@override</a:t>
+            </a:r>
+            <a:br>
+              <a:rPr sz="1050" b="0" i="0" u="none">
+                <a:solidFill>
+                  <a:srgbClr val="BBB529"/>
+                </a:solidFill>
+                <a:latin typeface="DejaVu Sans Mono"/>
+                <a:ea typeface="DejaVu Sans Mono"/>
+                <a:cs typeface="DejaVu Sans Mono"/>
+              </a:rPr>
+            </a:br>
+            <a:r>
+              <a:rPr sz="1050" b="0" i="0" u="none">
+                <a:solidFill>
+                  <a:srgbClr val="CC7832"/>
+                </a:solidFill>
+                <a:latin typeface="DejaVu Sans Mono"/>
+                <a:ea typeface="DejaVu Sans Mono"/>
+                <a:cs typeface="DejaVu Sans Mono"/>
+              </a:rPr>
+              <a:t>void </a:t>
+            </a:r>
+            <a:r>
+              <a:rPr sz="1050" b="0" i="0" u="none">
+                <a:solidFill>
+                  <a:srgbClr val="FFC66D"/>
+                </a:solidFill>
+                <a:latin typeface="DejaVu Sans Mono"/>
+                <a:ea typeface="DejaVu Sans Mono"/>
+                <a:cs typeface="DejaVu Sans Mono"/>
+              </a:rPr>
+              <a:t>initState</a:t>
+            </a:r>
+            <a:r>
+              <a:rPr sz="1050" b="0" i="0" u="none">
+                <a:solidFill>
+                  <a:srgbClr val="A9B7C6"/>
+                </a:solidFill>
+                <a:latin typeface="DejaVu Sans Mono"/>
+                <a:ea typeface="DejaVu Sans Mono"/>
+                <a:cs typeface="DejaVu Sans Mono"/>
+              </a:rPr>
+              <a:t>() {</a:t>
+            </a:r>
+            <a:br>
+              <a:rPr sz="1050" b="0" i="0" u="none">
+                <a:solidFill>
+                  <a:srgbClr val="A9B7C6"/>
+                </a:solidFill>
+                <a:latin typeface="DejaVu Sans Mono"/>
+                <a:ea typeface="DejaVu Sans Mono"/>
+                <a:cs typeface="DejaVu Sans Mono"/>
+              </a:rPr>
+            </a:br>
+            <a:r>
+              <a:rPr sz="1050" b="0" i="0" u="none">
+                <a:solidFill>
+                  <a:srgbClr val="A9B7C6"/>
+                </a:solidFill>
+                <a:latin typeface="DejaVu Sans Mono"/>
+                <a:ea typeface="DejaVu Sans Mono"/>
+                <a:cs typeface="DejaVu Sans Mono"/>
+              </a:rPr>
+              <a:t>  </a:t>
+            </a:r>
+            <a:r>
+              <a:rPr sz="1050" b="0" i="0" u="none">
+                <a:solidFill>
+                  <a:srgbClr val="808080"/>
+                </a:solidFill>
+                <a:latin typeface="DejaVu Sans Mono"/>
+                <a:ea typeface="DejaVu Sans Mono"/>
+                <a:cs typeface="DejaVu Sans Mono"/>
+              </a:rPr>
+              <a:t>// </a:t>
+            </a:r>
+            <a:r>
+              <a:rPr sz="1050" b="0" i="1" u="none">
+                <a:solidFill>
+                  <a:srgbClr val="A8C023"/>
+                </a:solidFill>
+                <a:latin typeface="DejaVu Sans Mono"/>
+                <a:ea typeface="DejaVu Sans Mono"/>
+                <a:cs typeface="DejaVu Sans Mono"/>
+              </a:rPr>
+              <a:t>TODO: implement initState</a:t>
+            </a:r>
+            <a:br>
+              <a:rPr sz="1050" b="0" i="1" u="none">
+                <a:solidFill>
+                  <a:srgbClr val="A8C023"/>
+                </a:solidFill>
+                <a:latin typeface="DejaVu Sans Mono"/>
+                <a:ea typeface="DejaVu Sans Mono"/>
+                <a:cs typeface="DejaVu Sans Mono"/>
+              </a:rPr>
+            </a:br>
+            <a:r>
+              <a:rPr sz="1050" b="0" i="1" u="none">
+                <a:solidFill>
+                  <a:srgbClr val="A8C023"/>
+                </a:solidFill>
+                <a:latin typeface="DejaVu Sans Mono"/>
+                <a:ea typeface="DejaVu Sans Mono"/>
+                <a:cs typeface="DejaVu Sans Mono"/>
+              </a:rPr>
+              <a:t>  </a:t>
+            </a:r>
+            <a:r>
+              <a:rPr sz="1050" b="0" i="0" u="none">
+                <a:solidFill>
+                  <a:srgbClr val="CC7832"/>
+                </a:solidFill>
+                <a:latin typeface="DejaVu Sans Mono"/>
+                <a:ea typeface="DejaVu Sans Mono"/>
+                <a:cs typeface="DejaVu Sans Mono"/>
+              </a:rPr>
+              <a:t>super</a:t>
+            </a:r>
+            <a:r>
+              <a:rPr sz="1050" b="0" i="0" u="none">
+                <a:solidFill>
+                  <a:srgbClr val="A9B7C6"/>
+                </a:solidFill>
+                <a:latin typeface="DejaVu Sans Mono"/>
+                <a:ea typeface="DejaVu Sans Mono"/>
+                <a:cs typeface="DejaVu Sans Mono"/>
+              </a:rPr>
+              <a:t>.initState()</a:t>
+            </a:r>
+            <a:r>
+              <a:rPr sz="1050" b="0" i="0" u="none">
+                <a:solidFill>
+                  <a:srgbClr val="CC7832"/>
+                </a:solidFill>
+                <a:latin typeface="DejaVu Sans Mono"/>
+                <a:ea typeface="DejaVu Sans Mono"/>
+                <a:cs typeface="DejaVu Sans Mono"/>
+              </a:rPr>
+              <a:t>;</a:t>
+            </a:r>
+            <a:br>
+              <a:rPr sz="1050" b="0" i="0" u="none">
+                <a:solidFill>
+                  <a:srgbClr val="CC7832"/>
+                </a:solidFill>
+                <a:latin typeface="DejaVu Sans Mono"/>
+                <a:ea typeface="DejaVu Sans Mono"/>
+                <a:cs typeface="DejaVu Sans Mono"/>
+              </a:rPr>
+            </a:br>
+            <a:br>
+              <a:rPr sz="1050" b="0" i="0" u="none">
+                <a:solidFill>
+                  <a:srgbClr val="CC7832"/>
+                </a:solidFill>
+                <a:latin typeface="DejaVu Sans Mono"/>
+                <a:ea typeface="DejaVu Sans Mono"/>
+                <a:cs typeface="DejaVu Sans Mono"/>
+              </a:rPr>
+            </a:br>
+            <a:r>
+              <a:rPr sz="1050" b="0" i="0" u="none">
+                <a:solidFill>
+                  <a:srgbClr val="CC7832"/>
+                </a:solidFill>
+                <a:latin typeface="DejaVu Sans Mono"/>
+                <a:ea typeface="DejaVu Sans Mono"/>
+                <a:cs typeface="DejaVu Sans Mono"/>
+              </a:rPr>
+              <a:t>  </a:t>
+            </a:r>
+            <a:r>
+              <a:rPr sz="1050" b="0" i="0" u="none">
+                <a:solidFill>
+                  <a:srgbClr val="9876AA"/>
+                </a:solidFill>
+                <a:latin typeface="DejaVu Sans Mono"/>
+                <a:ea typeface="DejaVu Sans Mono"/>
+                <a:cs typeface="DejaVu Sans Mono"/>
+              </a:rPr>
+              <a:t>controller </a:t>
+            </a:r>
+            <a:r>
+              <a:rPr sz="1050" b="0" i="0" u="none">
+                <a:solidFill>
+                  <a:srgbClr val="A9B7C6"/>
+                </a:solidFill>
+                <a:latin typeface="DejaVu Sans Mono"/>
+                <a:ea typeface="DejaVu Sans Mono"/>
+                <a:cs typeface="DejaVu Sans Mono"/>
+              </a:rPr>
+              <a:t>= </a:t>
+            </a:r>
+            <a:r>
+              <a:rPr sz="1050" b="0" i="0" u="none">
+                <a:solidFill>
+                  <a:srgbClr val="FFC66D"/>
+                </a:solidFill>
+                <a:latin typeface="DejaVu Sans Mono"/>
+                <a:ea typeface="DejaVu Sans Mono"/>
+                <a:cs typeface="DejaVu Sans Mono"/>
+              </a:rPr>
+              <a:t>AnimationController</a:t>
+            </a:r>
+            <a:r>
+              <a:rPr sz="1050" b="0" i="0" u="none">
+                <a:solidFill>
+                  <a:srgbClr val="A9B7C6"/>
+                </a:solidFill>
+                <a:latin typeface="DejaVu Sans Mono"/>
+                <a:ea typeface="DejaVu Sans Mono"/>
+                <a:cs typeface="DejaVu Sans Mono"/>
+              </a:rPr>
+              <a:t>(</a:t>
+            </a:r>
+            <a:br>
+              <a:rPr sz="1050" b="0" i="0" u="none">
+                <a:solidFill>
+                  <a:srgbClr val="A9B7C6"/>
+                </a:solidFill>
+                <a:latin typeface="DejaVu Sans Mono"/>
+                <a:ea typeface="DejaVu Sans Mono"/>
+                <a:cs typeface="DejaVu Sans Mono"/>
+              </a:rPr>
+            </a:br>
+            <a:r>
+              <a:rPr sz="1050" b="0" i="0" u="none">
+                <a:solidFill>
+                  <a:srgbClr val="A9B7C6"/>
+                </a:solidFill>
+                <a:latin typeface="DejaVu Sans Mono"/>
+                <a:ea typeface="DejaVu Sans Mono"/>
+                <a:cs typeface="DejaVu Sans Mono"/>
+              </a:rPr>
+              <a:t>    duration: </a:t>
+            </a:r>
+            <a:r>
+              <a:rPr sz="1050" b="0" i="0" u="none">
+                <a:solidFill>
+                  <a:srgbClr val="FFC66D"/>
+                </a:solidFill>
+                <a:latin typeface="DejaVu Sans Mono"/>
+                <a:ea typeface="DejaVu Sans Mono"/>
+                <a:cs typeface="DejaVu Sans Mono"/>
+              </a:rPr>
+              <a:t>Duration</a:t>
+            </a:r>
+            <a:r>
+              <a:rPr sz="1050" b="0" i="0" u="none">
+                <a:solidFill>
+                  <a:srgbClr val="A9B7C6"/>
+                </a:solidFill>
+                <a:latin typeface="DejaVu Sans Mono"/>
+                <a:ea typeface="DejaVu Sans Mono"/>
+                <a:cs typeface="DejaVu Sans Mono"/>
+              </a:rPr>
+              <a:t>(</a:t>
+            </a:r>
+            <a:br>
+              <a:rPr sz="1050" b="0" i="0" u="none">
+                <a:solidFill>
+                  <a:srgbClr val="A9B7C6"/>
+                </a:solidFill>
+                <a:latin typeface="DejaVu Sans Mono"/>
+                <a:ea typeface="DejaVu Sans Mono"/>
+                <a:cs typeface="DejaVu Sans Mono"/>
+              </a:rPr>
+            </a:br>
+            <a:r>
+              <a:rPr sz="1050" b="0" i="0" u="none">
+                <a:solidFill>
+                  <a:srgbClr val="A9B7C6"/>
+                </a:solidFill>
+                <a:latin typeface="DejaVu Sans Mono"/>
+                <a:ea typeface="DejaVu Sans Mono"/>
+                <a:cs typeface="DejaVu Sans Mono"/>
+              </a:rPr>
+              <a:t>      seconds: </a:t>
+            </a:r>
+            <a:r>
+              <a:rPr sz="1050" b="0" i="0" u="none">
+                <a:solidFill>
+                  <a:srgbClr val="6897BB"/>
+                </a:solidFill>
+                <a:latin typeface="DejaVu Sans Mono"/>
+                <a:ea typeface="DejaVu Sans Mono"/>
+                <a:cs typeface="DejaVu Sans Mono"/>
+              </a:rPr>
+              <a:t>1</a:t>
+            </a:r>
+            <a:r>
+              <a:rPr sz="1050" b="0" i="0" u="none">
+                <a:solidFill>
+                  <a:srgbClr val="CC7832"/>
+                </a:solidFill>
+                <a:latin typeface="DejaVu Sans Mono"/>
+                <a:ea typeface="DejaVu Sans Mono"/>
+                <a:cs typeface="DejaVu Sans Mono"/>
+              </a:rPr>
+              <a:t>,</a:t>
+            </a:r>
+            <a:br>
+              <a:rPr sz="1050" b="0" i="0" u="none">
+                <a:solidFill>
+                  <a:srgbClr val="CC7832"/>
+                </a:solidFill>
+                <a:latin typeface="DejaVu Sans Mono"/>
+                <a:ea typeface="DejaVu Sans Mono"/>
+                <a:cs typeface="DejaVu Sans Mono"/>
+              </a:rPr>
+            </a:br>
+            <a:r>
+              <a:rPr sz="1050" b="0" i="0" u="none">
+                <a:solidFill>
+                  <a:srgbClr val="CC7832"/>
+                </a:solidFill>
+                <a:latin typeface="DejaVu Sans Mono"/>
+                <a:ea typeface="DejaVu Sans Mono"/>
+                <a:cs typeface="DejaVu Sans Mono"/>
+              </a:rPr>
+              <a:t>    </a:t>
+            </a:r>
+            <a:r>
+              <a:rPr sz="1050" b="0" i="0" u="none">
+                <a:solidFill>
+                  <a:srgbClr val="A9B7C6"/>
+                </a:solidFill>
+                <a:latin typeface="DejaVu Sans Mono"/>
+                <a:ea typeface="DejaVu Sans Mono"/>
+                <a:cs typeface="DejaVu Sans Mono"/>
+              </a:rPr>
+              <a:t>)</a:t>
+            </a:r>
+            <a:r>
+              <a:rPr sz="1050" b="0" i="0" u="none">
+                <a:solidFill>
+                  <a:srgbClr val="CC7832"/>
+                </a:solidFill>
+                <a:latin typeface="DejaVu Sans Mono"/>
+                <a:ea typeface="DejaVu Sans Mono"/>
+                <a:cs typeface="DejaVu Sans Mono"/>
+              </a:rPr>
+              <a:t>,</a:t>
+            </a:r>
+            <a:br>
+              <a:rPr sz="1050" b="0" i="0" u="none">
+                <a:solidFill>
+                  <a:srgbClr val="CC7832"/>
+                </a:solidFill>
+                <a:latin typeface="DejaVu Sans Mono"/>
+                <a:ea typeface="DejaVu Sans Mono"/>
+                <a:cs typeface="DejaVu Sans Mono"/>
+              </a:rPr>
+            </a:br>
+            <a:r>
+              <a:rPr sz="1050" b="0" i="0" u="none">
+                <a:solidFill>
+                  <a:srgbClr val="CC7832"/>
+                </a:solidFill>
+                <a:latin typeface="DejaVu Sans Mono"/>
+                <a:ea typeface="DejaVu Sans Mono"/>
+                <a:cs typeface="DejaVu Sans Mono"/>
+              </a:rPr>
+              <a:t>    </a:t>
+            </a:r>
+            <a:r>
+              <a:rPr sz="1050" b="0" i="0" u="none">
+                <a:solidFill>
+                  <a:srgbClr val="A9B7C6"/>
+                </a:solidFill>
+                <a:latin typeface="DejaVu Sans Mono"/>
+                <a:ea typeface="DejaVu Sans Mono"/>
+                <a:cs typeface="DejaVu Sans Mono"/>
+              </a:rPr>
+              <a:t>vsync: </a:t>
+            </a:r>
+            <a:r>
+              <a:rPr sz="1050" b="0" i="0" u="none">
+                <a:solidFill>
+                  <a:srgbClr val="CC7832"/>
+                </a:solidFill>
+                <a:latin typeface="DejaVu Sans Mono"/>
+                <a:ea typeface="DejaVu Sans Mono"/>
+                <a:cs typeface="DejaVu Sans Mono"/>
+              </a:rPr>
+              <a:t>this,</a:t>
+            </a:r>
+            <a:br>
+              <a:rPr sz="1050" b="0" i="0" u="none">
+                <a:solidFill>
+                  <a:srgbClr val="CC7832"/>
+                </a:solidFill>
+                <a:latin typeface="DejaVu Sans Mono"/>
+                <a:ea typeface="DejaVu Sans Mono"/>
+                <a:cs typeface="DejaVu Sans Mono"/>
+              </a:rPr>
+            </a:br>
+            <a:r>
+              <a:rPr sz="1050" b="0" i="0" u="none">
+                <a:solidFill>
+                  <a:srgbClr val="CC7832"/>
+                </a:solidFill>
+                <a:latin typeface="DejaVu Sans Mono"/>
+                <a:ea typeface="DejaVu Sans Mono"/>
+                <a:cs typeface="DejaVu Sans Mono"/>
+              </a:rPr>
+              <a:t>    </a:t>
+            </a:r>
+            <a:r>
+              <a:rPr sz="1050" b="0" i="0" u="none">
+                <a:solidFill>
+                  <a:srgbClr val="A9B7C6"/>
+                </a:solidFill>
+                <a:latin typeface="DejaVu Sans Mono"/>
+                <a:ea typeface="DejaVu Sans Mono"/>
+                <a:cs typeface="DejaVu Sans Mono"/>
+              </a:rPr>
+              <a:t>upperBound: </a:t>
+            </a:r>
+            <a:r>
+              <a:rPr sz="1050" b="0" i="0" u="none">
+                <a:solidFill>
+                  <a:srgbClr val="6897BB"/>
+                </a:solidFill>
+                <a:latin typeface="DejaVu Sans Mono"/>
+                <a:ea typeface="DejaVu Sans Mono"/>
+                <a:cs typeface="DejaVu Sans Mono"/>
+              </a:rPr>
+              <a:t>1.0</a:t>
+            </a:r>
+            <a:r>
+              <a:rPr sz="1050" b="0" i="0" u="none">
+                <a:solidFill>
+                  <a:srgbClr val="CC7832"/>
+                </a:solidFill>
+                <a:latin typeface="DejaVu Sans Mono"/>
+                <a:ea typeface="DejaVu Sans Mono"/>
+                <a:cs typeface="DejaVu Sans Mono"/>
+              </a:rPr>
+              <a:t>,</a:t>
+            </a:r>
+            <a:br>
+              <a:rPr sz="1050" b="0" i="0" u="none">
+                <a:solidFill>
+                  <a:srgbClr val="CC7832"/>
+                </a:solidFill>
+                <a:latin typeface="DejaVu Sans Mono"/>
+                <a:ea typeface="DejaVu Sans Mono"/>
+                <a:cs typeface="DejaVu Sans Mono"/>
+              </a:rPr>
+            </a:br>
+            <a:r>
+              <a:rPr sz="1050" b="0" i="0" u="none">
+                <a:solidFill>
+                  <a:srgbClr val="CC7832"/>
+                </a:solidFill>
+                <a:latin typeface="DejaVu Sans Mono"/>
+                <a:ea typeface="DejaVu Sans Mono"/>
+                <a:cs typeface="DejaVu Sans Mono"/>
+              </a:rPr>
+              <a:t>  </a:t>
+            </a:r>
+            <a:r>
+              <a:rPr sz="1050" b="0" i="0" u="none">
+                <a:solidFill>
+                  <a:srgbClr val="A9B7C6"/>
+                </a:solidFill>
+                <a:latin typeface="DejaVu Sans Mono"/>
+                <a:ea typeface="DejaVu Sans Mono"/>
+                <a:cs typeface="DejaVu Sans Mono"/>
+              </a:rPr>
+              <a:t>)</a:t>
+            </a:r>
+            <a:r>
+              <a:rPr sz="1050" b="0" i="0" u="none">
+                <a:solidFill>
+                  <a:srgbClr val="CC7832"/>
+                </a:solidFill>
+                <a:latin typeface="DejaVu Sans Mono"/>
+                <a:ea typeface="DejaVu Sans Mono"/>
+                <a:cs typeface="DejaVu Sans Mono"/>
+              </a:rPr>
+              <a:t>;</a:t>
+            </a:r>
+            <a:br>
+              <a:rPr sz="1050" b="0" i="0" u="none">
+                <a:solidFill>
+                  <a:srgbClr val="CC7832"/>
+                </a:solidFill>
+                <a:latin typeface="DejaVu Sans Mono"/>
+                <a:ea typeface="DejaVu Sans Mono"/>
+                <a:cs typeface="DejaVu Sans Mono"/>
+              </a:rPr>
+            </a:br>
+            <a:br>
+              <a:rPr sz="1050" b="0" i="0" u="none">
+                <a:solidFill>
+                  <a:srgbClr val="CC7832"/>
+                </a:solidFill>
+                <a:latin typeface="DejaVu Sans Mono"/>
+                <a:ea typeface="DejaVu Sans Mono"/>
+                <a:cs typeface="DejaVu Sans Mono"/>
+              </a:rPr>
+            </a:br>
+            <a:r>
+              <a:rPr sz="1050" b="0" i="0" u="none">
+                <a:solidFill>
+                  <a:srgbClr val="CC7832"/>
+                </a:solidFill>
+                <a:latin typeface="DejaVu Sans Mono"/>
+                <a:ea typeface="DejaVu Sans Mono"/>
+                <a:cs typeface="DejaVu Sans Mono"/>
+              </a:rPr>
+              <a:t>  </a:t>
+            </a:r>
+            <a:r>
+              <a:rPr sz="1050" b="0" i="0" u="none">
+                <a:solidFill>
+                  <a:srgbClr val="9876AA"/>
+                </a:solidFill>
+                <a:latin typeface="DejaVu Sans Mono"/>
+                <a:ea typeface="DejaVu Sans Mono"/>
+                <a:cs typeface="DejaVu Sans Mono"/>
+              </a:rPr>
+              <a:t>controller</a:t>
+            </a:r>
+            <a:r>
+              <a:rPr sz="1050" b="0" i="0" u="none">
+                <a:solidFill>
+                  <a:srgbClr val="A9B7C6"/>
+                </a:solidFill>
+                <a:latin typeface="DejaVu Sans Mono"/>
+                <a:ea typeface="DejaVu Sans Mono"/>
+                <a:cs typeface="DejaVu Sans Mono"/>
+              </a:rPr>
+              <a:t>.forward()</a:t>
+            </a:r>
+            <a:r>
+              <a:rPr sz="1050" b="0" i="0" u="none">
+                <a:solidFill>
+                  <a:srgbClr val="CC7832"/>
+                </a:solidFill>
+                <a:latin typeface="DejaVu Sans Mono"/>
+                <a:ea typeface="DejaVu Sans Mono"/>
+                <a:cs typeface="DejaVu Sans Mono"/>
+              </a:rPr>
+              <a:t>;</a:t>
+            </a:r>
+            <a:br>
+              <a:rPr sz="1050" b="0" i="0" u="none">
+                <a:solidFill>
+                  <a:srgbClr val="CC7832"/>
+                </a:solidFill>
+                <a:latin typeface="DejaVu Sans Mono"/>
+                <a:ea typeface="DejaVu Sans Mono"/>
+                <a:cs typeface="DejaVu Sans Mono"/>
+              </a:rPr>
+            </a:br>
+            <a:br>
+              <a:rPr sz="1050" b="0" i="0" u="none">
+                <a:solidFill>
+                  <a:srgbClr val="CC7832"/>
+                </a:solidFill>
+                <a:latin typeface="DejaVu Sans Mono"/>
+                <a:ea typeface="DejaVu Sans Mono"/>
+                <a:cs typeface="DejaVu Sans Mono"/>
+              </a:rPr>
+            </a:br>
+            <a:r>
+              <a:rPr sz="1050" b="0" i="0" u="none">
+                <a:solidFill>
+                  <a:srgbClr val="CC7832"/>
+                </a:solidFill>
+                <a:latin typeface="DejaVu Sans Mono"/>
+                <a:ea typeface="DejaVu Sans Mono"/>
+                <a:cs typeface="DejaVu Sans Mono"/>
+              </a:rPr>
+              <a:t>  </a:t>
+            </a:r>
+            <a:r>
+              <a:rPr sz="1050" b="0" i="0" u="none">
+                <a:solidFill>
+                  <a:srgbClr val="9876AA"/>
+                </a:solidFill>
+                <a:latin typeface="DejaVu Sans Mono"/>
+                <a:ea typeface="DejaVu Sans Mono"/>
+                <a:cs typeface="DejaVu Sans Mono"/>
+              </a:rPr>
+              <a:t>controller</a:t>
+            </a:r>
+            <a:r>
+              <a:rPr sz="1050" b="0" i="0" u="none">
+                <a:solidFill>
+                  <a:srgbClr val="A9B7C6"/>
+                </a:solidFill>
+                <a:latin typeface="DejaVu Sans Mono"/>
+                <a:ea typeface="DejaVu Sans Mono"/>
+                <a:cs typeface="DejaVu Sans Mono"/>
+              </a:rPr>
+              <a:t>.addListener(() {</a:t>
+            </a:r>
+            <a:br>
+              <a:rPr sz="1050" b="0" i="0" u="none">
+                <a:solidFill>
+                  <a:srgbClr val="A9B7C6"/>
+                </a:solidFill>
+                <a:latin typeface="DejaVu Sans Mono"/>
+                <a:ea typeface="DejaVu Sans Mono"/>
+                <a:cs typeface="DejaVu Sans Mono"/>
+              </a:rPr>
+            </a:br>
+            <a:r>
+              <a:rPr sz="1050" b="0" i="0" u="none">
+                <a:solidFill>
+                  <a:srgbClr val="A9B7C6"/>
+                </a:solidFill>
+                <a:latin typeface="DejaVu Sans Mono"/>
+                <a:ea typeface="DejaVu Sans Mono"/>
+                <a:cs typeface="DejaVu Sans Mono"/>
+              </a:rPr>
+              <a:t>    setState(() {})</a:t>
+            </a:r>
+            <a:r>
+              <a:rPr sz="1050" b="0" i="0" u="none">
+                <a:solidFill>
+                  <a:srgbClr val="CC7832"/>
+                </a:solidFill>
+                <a:latin typeface="DejaVu Sans Mono"/>
+                <a:ea typeface="DejaVu Sans Mono"/>
+                <a:cs typeface="DejaVu Sans Mono"/>
+              </a:rPr>
+              <a:t>;</a:t>
+            </a:r>
+            <a:br>
+              <a:rPr sz="1050" b="0" i="0" u="none">
+                <a:solidFill>
+                  <a:srgbClr val="CC7832"/>
+                </a:solidFill>
+                <a:latin typeface="DejaVu Sans Mono"/>
+                <a:ea typeface="DejaVu Sans Mono"/>
+                <a:cs typeface="DejaVu Sans Mono"/>
+              </a:rPr>
+            </a:br>
+            <a:r>
+              <a:rPr sz="1050" b="0" i="0" u="none">
+                <a:solidFill>
+                  <a:srgbClr val="CC7832"/>
+                </a:solidFill>
+                <a:latin typeface="DejaVu Sans Mono"/>
+                <a:ea typeface="DejaVu Sans Mono"/>
+                <a:cs typeface="DejaVu Sans Mono"/>
+              </a:rPr>
+              <a:t>  </a:t>
+            </a:r>
+            <a:r>
+              <a:rPr sz="1050" b="0" i="0" u="none">
+                <a:solidFill>
+                  <a:srgbClr val="A9B7C6"/>
+                </a:solidFill>
+                <a:latin typeface="DejaVu Sans Mono"/>
+                <a:ea typeface="DejaVu Sans Mono"/>
+                <a:cs typeface="DejaVu Sans Mono"/>
+              </a:rPr>
+              <a:t>})</a:t>
+            </a:r>
+            <a:r>
+              <a:rPr sz="1050" b="0" i="0" u="none">
+                <a:solidFill>
+                  <a:srgbClr val="CC7832"/>
+                </a:solidFill>
+                <a:latin typeface="DejaVu Sans Mono"/>
+                <a:ea typeface="DejaVu Sans Mono"/>
+                <a:cs typeface="DejaVu Sans Mono"/>
+              </a:rPr>
+              <a:t>;</a:t>
+            </a:r>
+            <a:br>
+              <a:rPr sz="1050" b="0" i="0" u="none">
+                <a:solidFill>
+                  <a:srgbClr val="CC7832"/>
+                </a:solidFill>
+                <a:latin typeface="DejaVu Sans Mono"/>
+                <a:ea typeface="DejaVu Sans Mono"/>
+                <a:cs typeface="DejaVu Sans Mono"/>
+              </a:rPr>
+            </a:br>
+            <a:br>
+              <a:rPr sz="1050" b="0" i="0" u="none">
+                <a:solidFill>
+                  <a:srgbClr val="CC7832"/>
+                </a:solidFill>
+                <a:latin typeface="DejaVu Sans Mono"/>
+                <a:ea typeface="DejaVu Sans Mono"/>
+                <a:cs typeface="DejaVu Sans Mono"/>
+              </a:rPr>
+            </a:br>
+            <a:r>
+              <a:rPr sz="1050" b="0" i="0" u="none">
+                <a:solidFill>
+                  <a:srgbClr val="CC7832"/>
+                </a:solidFill>
+                <a:latin typeface="DejaVu Sans Mono"/>
+                <a:ea typeface="DejaVu Sans Mono"/>
+                <a:cs typeface="DejaVu Sans Mono"/>
+              </a:rPr>
+              <a:t>  </a:t>
+            </a:r>
+            <a:r>
+              <a:rPr sz="1050" b="0" i="0" u="none">
+                <a:solidFill>
+                  <a:srgbClr val="9876AA"/>
+                </a:solidFill>
+                <a:latin typeface="DejaVu Sans Mono"/>
+                <a:ea typeface="DejaVu Sans Mono"/>
+                <a:cs typeface="DejaVu Sans Mono"/>
+              </a:rPr>
+              <a:t>animation </a:t>
+            </a:r>
+            <a:r>
+              <a:rPr sz="1050" b="0" i="0" u="none">
+                <a:solidFill>
+                  <a:srgbClr val="A9B7C6"/>
+                </a:solidFill>
+                <a:latin typeface="DejaVu Sans Mono"/>
+                <a:ea typeface="DejaVu Sans Mono"/>
+                <a:cs typeface="DejaVu Sans Mono"/>
+              </a:rPr>
+              <a:t>= </a:t>
+            </a:r>
+            <a:r>
+              <a:rPr sz="1050" b="0" i="0" u="none">
+                <a:solidFill>
+                  <a:srgbClr val="FFC66D"/>
+                </a:solidFill>
+                <a:latin typeface="DejaVu Sans Mono"/>
+                <a:ea typeface="DejaVu Sans Mono"/>
+                <a:cs typeface="DejaVu Sans Mono"/>
+              </a:rPr>
+              <a:t>CurvedAnimation</a:t>
+            </a:r>
+            <a:r>
+              <a:rPr sz="1050" b="0" i="0" u="none">
+                <a:solidFill>
+                  <a:srgbClr val="A9B7C6"/>
+                </a:solidFill>
+                <a:latin typeface="DejaVu Sans Mono"/>
+                <a:ea typeface="DejaVu Sans Mono"/>
+                <a:cs typeface="DejaVu Sans Mono"/>
+              </a:rPr>
+              <a:t>(</a:t>
+            </a:r>
+            <a:br>
+              <a:rPr sz="1050" b="0" i="0" u="none">
+                <a:solidFill>
+                  <a:srgbClr val="A9B7C6"/>
+                </a:solidFill>
+                <a:latin typeface="DejaVu Sans Mono"/>
+                <a:ea typeface="DejaVu Sans Mono"/>
+                <a:cs typeface="DejaVu Sans Mono"/>
+              </a:rPr>
+            </a:br>
+            <a:r>
+              <a:rPr sz="1050" b="0" i="0" u="none">
+                <a:solidFill>
+                  <a:srgbClr val="A9B7C6"/>
+                </a:solidFill>
+                <a:latin typeface="DejaVu Sans Mono"/>
+                <a:ea typeface="DejaVu Sans Mono"/>
+                <a:cs typeface="DejaVu Sans Mono"/>
+              </a:rPr>
+              <a:t>    parent: </a:t>
+            </a:r>
+            <a:r>
+              <a:rPr sz="1050" b="0" i="0" u="none">
+                <a:solidFill>
+                  <a:srgbClr val="9876AA"/>
+                </a:solidFill>
+                <a:latin typeface="DejaVu Sans Mono"/>
+                <a:ea typeface="DejaVu Sans Mono"/>
+                <a:cs typeface="DejaVu Sans Mono"/>
+              </a:rPr>
+              <a:t>controller</a:t>
+            </a:r>
+            <a:r>
+              <a:rPr sz="1050" b="0" i="0" u="none">
+                <a:solidFill>
+                  <a:srgbClr val="CC7832"/>
+                </a:solidFill>
+                <a:latin typeface="DejaVu Sans Mono"/>
+                <a:ea typeface="DejaVu Sans Mono"/>
+                <a:cs typeface="DejaVu Sans Mono"/>
+              </a:rPr>
+              <a:t>,</a:t>
+            </a:r>
+            <a:br>
+              <a:rPr sz="1050" b="0" i="0" u="none">
+                <a:solidFill>
+                  <a:srgbClr val="CC7832"/>
+                </a:solidFill>
+                <a:latin typeface="DejaVu Sans Mono"/>
+                <a:ea typeface="DejaVu Sans Mono"/>
+                <a:cs typeface="DejaVu Sans Mono"/>
+              </a:rPr>
+            </a:br>
+            <a:r>
+              <a:rPr sz="1050" b="0" i="0" u="none">
+                <a:solidFill>
+                  <a:srgbClr val="CC7832"/>
+                </a:solidFill>
+                <a:latin typeface="DejaVu Sans Mono"/>
+                <a:ea typeface="DejaVu Sans Mono"/>
+                <a:cs typeface="DejaVu Sans Mono"/>
+              </a:rPr>
+              <a:t>    </a:t>
+            </a:r>
+            <a:r>
+              <a:rPr sz="1050" b="0" i="0" u="none">
+                <a:solidFill>
+                  <a:srgbClr val="A9B7C6"/>
+                </a:solidFill>
+                <a:latin typeface="DejaVu Sans Mono"/>
+                <a:ea typeface="DejaVu Sans Mono"/>
+                <a:cs typeface="DejaVu Sans Mono"/>
+              </a:rPr>
+              <a:t>curve: Curves.</a:t>
+            </a:r>
+            <a:r>
+              <a:rPr sz="1050" b="0" i="1" u="none">
+                <a:solidFill>
+                  <a:srgbClr val="9876AA"/>
+                </a:solidFill>
+                <a:latin typeface="DejaVu Sans Mono"/>
+                <a:ea typeface="DejaVu Sans Mono"/>
+                <a:cs typeface="DejaVu Sans Mono"/>
+              </a:rPr>
+              <a:t>decelerate</a:t>
+            </a:r>
+            <a:r>
+              <a:rPr sz="1050" b="0" i="0" u="none">
+                <a:solidFill>
+                  <a:srgbClr val="CC7832"/>
+                </a:solidFill>
+                <a:latin typeface="DejaVu Sans Mono"/>
+                <a:ea typeface="DejaVu Sans Mono"/>
+                <a:cs typeface="DejaVu Sans Mono"/>
+              </a:rPr>
+              <a:t>,</a:t>
+            </a:r>
+            <a:br>
+              <a:rPr sz="1050" b="0" i="0" u="none">
+                <a:solidFill>
+                  <a:srgbClr val="CC7832"/>
+                </a:solidFill>
+                <a:latin typeface="DejaVu Sans Mono"/>
+                <a:ea typeface="DejaVu Sans Mono"/>
+                <a:cs typeface="DejaVu Sans Mono"/>
+              </a:rPr>
+            </a:br>
+            <a:r>
+              <a:rPr sz="1050" b="0" i="0" u="none">
+                <a:solidFill>
+                  <a:srgbClr val="CC7832"/>
+                </a:solidFill>
+                <a:latin typeface="DejaVu Sans Mono"/>
+                <a:ea typeface="DejaVu Sans Mono"/>
+                <a:cs typeface="DejaVu Sans Mono"/>
+              </a:rPr>
+              <a:t>  </a:t>
+            </a:r>
+            <a:r>
+              <a:rPr sz="1050" b="0" i="0" u="none">
+                <a:solidFill>
+                  <a:srgbClr val="A9B7C6"/>
+                </a:solidFill>
+                <a:latin typeface="DejaVu Sans Mono"/>
+                <a:ea typeface="DejaVu Sans Mono"/>
+                <a:cs typeface="DejaVu Sans Mono"/>
+              </a:rPr>
+              <a:t>)</a:t>
+            </a:r>
+            <a:r>
+              <a:rPr sz="1050" b="0" i="0" u="none">
+                <a:solidFill>
+                  <a:srgbClr val="CC7832"/>
+                </a:solidFill>
+                <a:latin typeface="DejaVu Sans Mono"/>
+                <a:ea typeface="DejaVu Sans Mono"/>
+                <a:cs typeface="DejaVu Sans Mono"/>
+              </a:rPr>
+              <a:t>;</a:t>
+            </a:r>
+            <a:br>
+              <a:rPr sz="1050" b="0" i="0" u="none">
+                <a:solidFill>
+                  <a:srgbClr val="CC7832"/>
+                </a:solidFill>
+                <a:latin typeface="DejaVu Sans Mono"/>
+                <a:ea typeface="DejaVu Sans Mono"/>
+                <a:cs typeface="DejaVu Sans Mono"/>
+              </a:rPr>
+            </a:br>
+            <a:r>
+              <a:rPr sz="1050" b="0" i="0" u="none">
+                <a:solidFill>
+                  <a:srgbClr val="A9B7C6"/>
+                </a:solidFill>
+                <a:latin typeface="DejaVu Sans Mono"/>
+                <a:ea typeface="DejaVu Sans Mono"/>
+                <a:cs typeface="DejaVu Sans Mono"/>
+              </a:rPr>
+              <a:t>}</a:t>
+            </a:r>
+            <a:endParaRPr/>
+          </a:p>
+        </p:txBody>
+      </p:sp>
+      <p:sp>
+        <p:nvSpPr>
+          <p:cNvPr id="8" name="Content Placeholder 3" hidden="0"/>
+          <p:cNvSpPr>
+            <a:spLocks noGrp="1"/>
+          </p:cNvSpPr>
+          <p:nvPr isPhoto="0" userDrawn="0">
+            <p:ph sz="half" idx="2" hasCustomPrompt="0"/>
+          </p:nvPr>
+        </p:nvSpPr>
+        <p:spPr bwMode="auto">
+          <a:xfrm flipH="0" flipV="0">
+            <a:off x="6172200" y="1383048"/>
+            <a:ext cx="5181595" cy="5032035"/>
+          </a:xfrm>
+          <a:prstGeom prst="rect">
+            <a:avLst/>
+          </a:prstGeom>
+          <a:ln w="6349">
+            <a:noFill/>
+            <a:prstDash val="solid"/>
+          </a:ln>
+        </p:spPr>
+        <p:txBody>
+          <a:bodyPr/>
+          <a:lstStyle/>
+          <a:p>
+            <a:pPr marL="0" indent="0">
+              <a:buNone/>
+              <a:defRPr/>
+            </a:pPr>
+            <a:r>
+              <a:rPr sz="1050" b="0" i="0" u="none">
+                <a:solidFill>
+                  <a:srgbClr val="BBB529"/>
+                </a:solidFill>
+                <a:latin typeface="DejaVu Sans Mono"/>
+                <a:ea typeface="DejaVu Sans Mono"/>
+                <a:cs typeface="DejaVu Sans Mono"/>
+              </a:rPr>
+              <a:t>@override</a:t>
+            </a:r>
+            <a:br>
+              <a:rPr sz="1050" b="0" i="0" u="none">
+                <a:solidFill>
+                  <a:srgbClr val="BBB529"/>
+                </a:solidFill>
+                <a:latin typeface="DejaVu Sans Mono"/>
+                <a:ea typeface="DejaVu Sans Mono"/>
+                <a:cs typeface="DejaVu Sans Mono"/>
+              </a:rPr>
+            </a:br>
+            <a:r>
+              <a:rPr sz="1050" b="0" i="0" u="none">
+                <a:solidFill>
+                  <a:srgbClr val="CC7832"/>
+                </a:solidFill>
+                <a:latin typeface="DejaVu Sans Mono"/>
+                <a:ea typeface="DejaVu Sans Mono"/>
+                <a:cs typeface="DejaVu Sans Mono"/>
+              </a:rPr>
+              <a:t>void </a:t>
+            </a:r>
+            <a:r>
+              <a:rPr sz="1050" b="0" i="0" u="none">
+                <a:solidFill>
+                  <a:srgbClr val="FFC66D"/>
+                </a:solidFill>
+                <a:latin typeface="DejaVu Sans Mono"/>
+                <a:ea typeface="DejaVu Sans Mono"/>
+                <a:cs typeface="DejaVu Sans Mono"/>
+              </a:rPr>
+              <a:t>dispose</a:t>
+            </a:r>
+            <a:r>
+              <a:rPr sz="1050" b="0" i="0" u="none">
+                <a:solidFill>
+                  <a:srgbClr val="A9B7C6"/>
+                </a:solidFill>
+                <a:latin typeface="DejaVu Sans Mono"/>
+                <a:ea typeface="DejaVu Sans Mono"/>
+                <a:cs typeface="DejaVu Sans Mono"/>
+              </a:rPr>
+              <a:t>() {</a:t>
+            </a:r>
+            <a:br>
+              <a:rPr sz="1050" b="0" i="0" u="none">
+                <a:solidFill>
+                  <a:srgbClr val="A9B7C6"/>
+                </a:solidFill>
+                <a:latin typeface="DejaVu Sans Mono"/>
+                <a:ea typeface="DejaVu Sans Mono"/>
+                <a:cs typeface="DejaVu Sans Mono"/>
+              </a:rPr>
+            </a:br>
+            <a:r>
+              <a:rPr sz="1050" b="0" i="0" u="none">
+                <a:solidFill>
+                  <a:srgbClr val="A9B7C6"/>
+                </a:solidFill>
+                <a:latin typeface="DejaVu Sans Mono"/>
+                <a:ea typeface="DejaVu Sans Mono"/>
+                <a:cs typeface="DejaVu Sans Mono"/>
+              </a:rPr>
+              <a:t>  </a:t>
+            </a:r>
+            <a:r>
+              <a:rPr sz="1050" b="0" i="0" u="none">
+                <a:solidFill>
+                  <a:srgbClr val="808080"/>
+                </a:solidFill>
+                <a:latin typeface="DejaVu Sans Mono"/>
+                <a:ea typeface="DejaVu Sans Mono"/>
+                <a:cs typeface="DejaVu Sans Mono"/>
+              </a:rPr>
+              <a:t>// </a:t>
+            </a:r>
+            <a:r>
+              <a:rPr sz="1050" b="0" i="1" u="none">
+                <a:solidFill>
+                  <a:srgbClr val="A8C023"/>
+                </a:solidFill>
+                <a:latin typeface="DejaVu Sans Mono"/>
+                <a:ea typeface="DejaVu Sans Mono"/>
+                <a:cs typeface="DejaVu Sans Mono"/>
+              </a:rPr>
+              <a:t>TODO: implement dispose</a:t>
+            </a:r>
+            <a:br>
+              <a:rPr sz="1050" b="0" i="1" u="none">
+                <a:solidFill>
+                  <a:srgbClr val="A8C023"/>
+                </a:solidFill>
+                <a:latin typeface="DejaVu Sans Mono"/>
+                <a:ea typeface="DejaVu Sans Mono"/>
+                <a:cs typeface="DejaVu Sans Mono"/>
+              </a:rPr>
+            </a:br>
+            <a:r>
+              <a:rPr sz="1050" b="0" i="1" u="none">
+                <a:solidFill>
+                  <a:srgbClr val="A8C023"/>
+                </a:solidFill>
+                <a:latin typeface="DejaVu Sans Mono"/>
+                <a:ea typeface="DejaVu Sans Mono"/>
+                <a:cs typeface="DejaVu Sans Mono"/>
+              </a:rPr>
+              <a:t>  </a:t>
+            </a:r>
+            <a:r>
+              <a:rPr sz="1050" b="0" i="0" u="none">
+                <a:solidFill>
+                  <a:srgbClr val="CC7832"/>
+                </a:solidFill>
+                <a:latin typeface="DejaVu Sans Mono"/>
+                <a:ea typeface="DejaVu Sans Mono"/>
+                <a:cs typeface="DejaVu Sans Mono"/>
+              </a:rPr>
+              <a:t>super</a:t>
+            </a:r>
+            <a:r>
+              <a:rPr sz="1050" b="0" i="0" u="none">
+                <a:solidFill>
+                  <a:srgbClr val="A9B7C6"/>
+                </a:solidFill>
+                <a:latin typeface="DejaVu Sans Mono"/>
+                <a:ea typeface="DejaVu Sans Mono"/>
+                <a:cs typeface="DejaVu Sans Mono"/>
+              </a:rPr>
+              <a:t>.dispose()</a:t>
+            </a:r>
+            <a:r>
+              <a:rPr sz="1050" b="0" i="0" u="none">
+                <a:solidFill>
+                  <a:srgbClr val="CC7832"/>
+                </a:solidFill>
+                <a:latin typeface="DejaVu Sans Mono"/>
+                <a:ea typeface="DejaVu Sans Mono"/>
+                <a:cs typeface="DejaVu Sans Mono"/>
+              </a:rPr>
+              <a:t>;</a:t>
+            </a:r>
+            <a:br>
+              <a:rPr sz="1050" b="0" i="0" u="none">
+                <a:solidFill>
+                  <a:srgbClr val="CC7832"/>
+                </a:solidFill>
+                <a:latin typeface="DejaVu Sans Mono"/>
+                <a:ea typeface="DejaVu Sans Mono"/>
+                <a:cs typeface="DejaVu Sans Mono"/>
+              </a:rPr>
+            </a:br>
+            <a:r>
+              <a:rPr sz="1050" b="0" i="0" u="none">
+                <a:solidFill>
+                  <a:srgbClr val="CC7832"/>
+                </a:solidFill>
+                <a:latin typeface="DejaVu Sans Mono"/>
+                <a:ea typeface="DejaVu Sans Mono"/>
+                <a:cs typeface="DejaVu Sans Mono"/>
+              </a:rPr>
+              <a:t>  </a:t>
+            </a:r>
+            <a:r>
+              <a:rPr sz="1050" b="0" i="0" u="none">
+                <a:solidFill>
+                  <a:srgbClr val="9876AA"/>
+                </a:solidFill>
+                <a:latin typeface="DejaVu Sans Mono"/>
+                <a:ea typeface="DejaVu Sans Mono"/>
+                <a:cs typeface="DejaVu Sans Mono"/>
+              </a:rPr>
+              <a:t>controller</a:t>
+            </a:r>
+            <a:r>
+              <a:rPr sz="1050" b="0" i="0" u="none">
+                <a:solidFill>
+                  <a:srgbClr val="A9B7C6"/>
+                </a:solidFill>
+                <a:latin typeface="DejaVu Sans Mono"/>
+                <a:ea typeface="DejaVu Sans Mono"/>
+                <a:cs typeface="DejaVu Sans Mono"/>
+              </a:rPr>
+              <a:t>.dispose()</a:t>
+            </a:r>
+            <a:r>
+              <a:rPr sz="1050" b="0" i="0" u="none">
+                <a:solidFill>
+                  <a:srgbClr val="CC7832"/>
+                </a:solidFill>
+                <a:latin typeface="DejaVu Sans Mono"/>
+                <a:ea typeface="DejaVu Sans Mono"/>
+                <a:cs typeface="DejaVu Sans Mono"/>
+              </a:rPr>
+              <a:t>;</a:t>
+            </a:r>
+            <a:br>
+              <a:rPr sz="1050" b="0" i="0" u="none">
+                <a:solidFill>
+                  <a:srgbClr val="CC7832"/>
+                </a:solidFill>
+                <a:latin typeface="DejaVu Sans Mono"/>
+                <a:ea typeface="DejaVu Sans Mono"/>
+                <a:cs typeface="DejaVu Sans Mono"/>
+              </a:rPr>
+            </a:br>
+            <a:r>
+              <a:rPr sz="1050" b="0" i="0" u="none">
+                <a:solidFill>
+                  <a:srgbClr val="A9B7C6"/>
+                </a:solidFill>
+                <a:latin typeface="DejaVu Sans Mono"/>
+                <a:ea typeface="DejaVu Sans Mono"/>
+                <a:cs typeface="DejaVu Sans Mono"/>
+              </a:rPr>
+              <a:t>}</a:t>
+            </a:r>
+            <a:endParaRPr sz="1050" b="0" i="0" u="none">
+              <a:solidFill>
+                <a:srgbClr val="A9B7C6"/>
+              </a:solidFill>
+              <a:latin typeface="DejaVu Sans Mono"/>
+              <a:ea typeface="DejaVu Sans Mono"/>
+              <a:cs typeface="DejaVu Sans Mono"/>
+            </a:endParaRPr>
+          </a:p>
+          <a:p>
+            <a:pPr marL="0" indent="0">
+              <a:buNone/>
+              <a:defRPr/>
+            </a:pPr>
+            <a:endParaRPr sz="1050" b="0" i="0" u="none">
+              <a:solidFill>
+                <a:srgbClr val="A9B7C6"/>
+              </a:solidFill>
+              <a:latin typeface="DejaVu Sans Mono"/>
+              <a:ea typeface="DejaVu Sans Mono"/>
+              <a:cs typeface="DejaVu Sans Mono"/>
+            </a:endParaRPr>
+          </a:p>
+          <a:p>
+            <a:pPr marL="0" indent="0">
+              <a:buNone/>
+              <a:defRPr/>
+            </a:pPr>
+            <a:r>
+              <a:rPr sz="1050" b="0" i="0" u="none">
+                <a:solidFill>
+                  <a:srgbClr val="9876AA"/>
+                </a:solidFill>
+                <a:latin typeface="DejaVu Sans Mono"/>
+                <a:ea typeface="DejaVu Sans Mono"/>
+                <a:cs typeface="DejaVu Sans Mono"/>
+              </a:rPr>
+              <a:t>controller</a:t>
+            </a:r>
+            <a:r>
+              <a:rPr sz="1050" b="0" i="0" u="none">
+                <a:solidFill>
+                  <a:srgbClr val="A9B7C6"/>
+                </a:solidFill>
+                <a:latin typeface="DejaVu Sans Mono"/>
+                <a:ea typeface="DejaVu Sans Mono"/>
+                <a:cs typeface="DejaVu Sans Mono"/>
+              </a:rPr>
+              <a:t>.addStatusListener((status) {</a:t>
+            </a:r>
+            <a:br>
+              <a:rPr sz="1050" b="0" i="0" u="none">
+                <a:solidFill>
+                  <a:srgbClr val="A9B7C6"/>
+                </a:solidFill>
+                <a:latin typeface="DejaVu Sans Mono"/>
+                <a:ea typeface="DejaVu Sans Mono"/>
+                <a:cs typeface="DejaVu Sans Mono"/>
+              </a:rPr>
+            </a:br>
+            <a:r>
+              <a:rPr sz="1050" b="0" i="0" u="none">
+                <a:solidFill>
+                  <a:srgbClr val="A9B7C6"/>
+                </a:solidFill>
+                <a:latin typeface="DejaVu Sans Mono"/>
+                <a:ea typeface="DejaVu Sans Mono"/>
+                <a:cs typeface="DejaVu Sans Mono"/>
+              </a:rPr>
+              <a:t>  print(status)</a:t>
+            </a:r>
+            <a:r>
+              <a:rPr sz="1050" b="0" i="0" u="none">
+                <a:solidFill>
+                  <a:srgbClr val="CC7832"/>
+                </a:solidFill>
+                <a:latin typeface="DejaVu Sans Mono"/>
+                <a:ea typeface="DejaVu Sans Mono"/>
+                <a:cs typeface="DejaVu Sans Mono"/>
+              </a:rPr>
+              <a:t>;</a:t>
+            </a:r>
+            <a:br>
+              <a:rPr sz="1050" b="0" i="0" u="none">
+                <a:solidFill>
+                  <a:srgbClr val="CC7832"/>
+                </a:solidFill>
+                <a:latin typeface="DejaVu Sans Mono"/>
+                <a:ea typeface="DejaVu Sans Mono"/>
+                <a:cs typeface="DejaVu Sans Mono"/>
+              </a:rPr>
+            </a:br>
+            <a:r>
+              <a:rPr sz="1050" b="0" i="0" u="none">
+                <a:solidFill>
+                  <a:srgbClr val="A9B7C6"/>
+                </a:solidFill>
+                <a:latin typeface="DejaVu Sans Mono"/>
+                <a:ea typeface="DejaVu Sans Mono"/>
+                <a:cs typeface="DejaVu Sans Mono"/>
+              </a:rPr>
+              <a:t>})</a:t>
+            </a:r>
+            <a:r>
+              <a:rPr sz="1050" b="0" i="0" u="none">
+                <a:solidFill>
+                  <a:srgbClr val="CC7832"/>
+                </a:solidFill>
+                <a:latin typeface="DejaVu Sans Mono"/>
+                <a:ea typeface="DejaVu Sans Mono"/>
+                <a:cs typeface="DejaVu Sans Mono"/>
+              </a:rPr>
+              <a:t>;</a:t>
+            </a:r>
+            <a:br>
+              <a:rPr sz="1050" b="0" i="0" u="none">
+                <a:solidFill>
+                  <a:srgbClr val="A9B7C6"/>
+                </a:solidFill>
+                <a:latin typeface="DejaVu Sans Mono"/>
+                <a:ea typeface="DejaVu Sans Mono"/>
+                <a:cs typeface="DejaVu Sans Mono"/>
+              </a:rPr>
+            </a:br>
+            <a:br>
+              <a:rPr sz="1200" b="0" i="0" u="none">
+                <a:solidFill>
+                  <a:srgbClr val="A9B7C6"/>
+                </a:solidFill>
+                <a:latin typeface="DejaVu Sans Mono"/>
+                <a:ea typeface="DejaVu Sans Mono"/>
+                <a:cs typeface="DejaVu Sans Mono"/>
+              </a:rPr>
+            </a:br>
+            <a:br>
+              <a:rPr sz="1200" b="0" i="0" u="none">
+                <a:solidFill>
+                  <a:srgbClr val="A9B7C6"/>
+                </a:solidFill>
+                <a:latin typeface="DejaVu Sans Mono"/>
+                <a:ea typeface="DejaVu Sans Mono"/>
+                <a:cs typeface="DejaVu Sans Mono"/>
+              </a:rPr>
+            </a:br>
+            <a:endParaRPr/>
+          </a:p>
+        </p:txBody>
+      </p:sp>
+      <p:sp>
+        <p:nvSpPr>
+          <p:cNvPr id="9" name="" hidden="0"/>
+          <p:cNvSpPr/>
+          <p:nvPr isPhoto="0" userDrawn="0"/>
+        </p:nvSpPr>
+        <p:spPr bwMode="auto">
+          <a:xfrm flipH="0" flipV="0">
+            <a:off x="4916" y="342896"/>
+            <a:ext cx="676271" cy="428625"/>
+          </a:xfrm>
+          <a:prstGeom prst="rect">
+            <a:avLst/>
+          </a:prstGeom>
+          <a:solidFill>
+            <a:schemeClr val="accent2"/>
+          </a:solidFill>
+          <a:ln w="12700" cap="flat" cmpd="sng" algn="ctr">
+            <a:solidFill>
+              <a:schemeClr val="accent2"/>
+            </a:solidFill>
+            <a:prstDash val="solid"/>
+            <a:miter/>
+          </a:ln>
+        </p:spPr>
+        <p:style>
+          <a:lnRef idx="2">
+            <a:schemeClr val="accent1">
+              <a:shade val="50000"/>
+            </a:schemeClr>
+          </a:lnRef>
+          <a:fillRef idx="1">
+            <a:schemeClr val="accent1"/>
+          </a:fillRef>
+          <a:effectRef idx="0">
+            <a:schemeClr val="accent1"/>
+          </a:effectRef>
+          <a:fontRef idx="minor">
+            <a:schemeClr val="lt1"/>
+          </a:fontRef>
+        </p:style>
+      </p:sp>
+      <p:sp>
+        <p:nvSpPr>
+          <p:cNvPr id="10" name="" hidden="0"/>
+          <p:cNvSpPr/>
+          <p:nvPr isPhoto="0" userDrawn="0"/>
+        </p:nvSpPr>
+        <p:spPr bwMode="auto">
+          <a:xfrm flipH="0" flipV="0">
+            <a:off x="6245013" y="3226863"/>
+            <a:ext cx="5035968" cy="3180863"/>
+          </a:xfrm>
+          <a:prstGeom prst="rect">
+            <a:avLst/>
+          </a:prstGeom>
+          <a:noFill/>
+          <a:ln w="12699">
+            <a:solidFill>
+              <a:schemeClr val="bg1"/>
+            </a:solidFill>
+            <a:prstDash val="solid"/>
+          </a:ln>
+        </p:spPr>
+        <p:txBody>
+          <a:bodyPr vertOverflow="overflow" horzOverflow="clip" vert="horz" wrap="square" lIns="91440" tIns="45720" rIns="91440" bIns="45720" numCol="1" spcCol="0" rtlCol="0" fromWordArt="0" anchor="t" anchorCtr="0" forceAA="0" upright="0" compatLnSpc="0">
+            <a:noAutofit/>
+          </a:bodyPr>
+          <a:p>
+            <a:pPr marL="283878" indent="-283878">
+              <a:buFont typeface="Arial"/>
+              <a:buChar char="•"/>
+              <a:defRPr/>
+            </a:pPr>
+            <a:r>
+              <a:rPr sz="1400" b="0">
+                <a:solidFill>
+                  <a:schemeClr val="bg1"/>
+                </a:solidFill>
+              </a:rPr>
+              <a:t>The </a:t>
+            </a:r>
+            <a:r>
+              <a:rPr sz="1400" b="1">
+                <a:solidFill>
+                  <a:schemeClr val="bg1"/>
+                </a:solidFill>
+              </a:rPr>
+              <a:t>AnimationController </a:t>
+            </a:r>
+            <a:r>
+              <a:rPr sz="1400" b="0">
+                <a:solidFill>
+                  <a:schemeClr val="bg1"/>
+                </a:solidFill>
+              </a:rPr>
+              <a:t>and </a:t>
+            </a:r>
+            <a:r>
+              <a:rPr sz="1400" b="1">
+                <a:solidFill>
+                  <a:schemeClr val="bg1"/>
+                </a:solidFill>
+              </a:rPr>
+              <a:t>Animation</a:t>
+            </a:r>
+            <a:r>
+              <a:rPr sz="1400" b="0">
+                <a:solidFill>
+                  <a:schemeClr val="bg1"/>
+                </a:solidFill>
+              </a:rPr>
+              <a:t> variables need to be created within the </a:t>
+            </a:r>
+            <a:r>
+              <a:rPr sz="1400" b="1">
+                <a:solidFill>
+                  <a:schemeClr val="bg1"/>
+                </a:solidFill>
+              </a:rPr>
+              <a:t>initState() </a:t>
+            </a:r>
+            <a:r>
+              <a:rPr sz="1400" b="0">
+                <a:solidFill>
+                  <a:schemeClr val="bg1"/>
+                </a:solidFill>
+              </a:rPr>
+              <a:t>method</a:t>
+            </a:r>
+            <a:endParaRPr sz="1400" b="0">
+              <a:solidFill>
+                <a:schemeClr val="bg1"/>
+              </a:solidFill>
+            </a:endParaRPr>
+          </a:p>
+          <a:p>
+            <a:pPr marL="283878" indent="-283878">
+              <a:buFont typeface="Arial"/>
+              <a:buChar char="•"/>
+              <a:defRPr/>
+            </a:pPr>
+            <a:r>
+              <a:rPr sz="1400" b="0">
+                <a:solidFill>
+                  <a:schemeClr val="bg1"/>
+                </a:solidFill>
+              </a:rPr>
+              <a:t>The</a:t>
+            </a:r>
+            <a:r>
+              <a:rPr sz="1400" b="1">
+                <a:solidFill>
+                  <a:schemeClr val="bg1"/>
+                </a:solidFill>
+              </a:rPr>
+              <a:t> controller.value</a:t>
+            </a:r>
+            <a:r>
+              <a:rPr sz="1400" b="0">
+                <a:solidFill>
+                  <a:schemeClr val="bg1"/>
+                </a:solidFill>
+              </a:rPr>
+              <a:t> goes from 0.0 to 1.0 and can be used to shape and animate the app</a:t>
+            </a:r>
+            <a:endParaRPr sz="1400" b="0">
+              <a:solidFill>
+                <a:schemeClr val="bg1"/>
+              </a:solidFill>
+            </a:endParaRPr>
+          </a:p>
+          <a:p>
+            <a:pPr marL="283878" indent="-283878">
+              <a:buFont typeface="Arial"/>
+              <a:buChar char="•"/>
+              <a:defRPr/>
+            </a:pPr>
+            <a:r>
+              <a:rPr sz="1400" b="0">
+                <a:solidFill>
+                  <a:schemeClr val="bg1"/>
+                </a:solidFill>
+              </a:rPr>
+              <a:t>We can access the </a:t>
+            </a:r>
+            <a:r>
+              <a:rPr sz="1400" b="1">
+                <a:solidFill>
+                  <a:schemeClr val="bg1"/>
+                </a:solidFill>
+              </a:rPr>
+              <a:t>addStatus </a:t>
+            </a:r>
+            <a:r>
+              <a:rPr sz="1400" b="0">
+                <a:solidFill>
+                  <a:schemeClr val="bg1"/>
+                </a:solidFill>
+              </a:rPr>
+              <a:t>and </a:t>
+            </a:r>
+            <a:r>
+              <a:rPr sz="1400" b="1">
+                <a:solidFill>
+                  <a:schemeClr val="bg1"/>
+                </a:solidFill>
+              </a:rPr>
+              <a:t>addStatusListener </a:t>
+            </a:r>
+            <a:r>
+              <a:rPr sz="1400" b="0">
+                <a:solidFill>
+                  <a:schemeClr val="bg1"/>
+                </a:solidFill>
+              </a:rPr>
+              <a:t>methods and inject functions within them.</a:t>
+            </a:r>
+            <a:endParaRPr sz="1400" b="0">
+              <a:solidFill>
+                <a:schemeClr val="bg1"/>
+              </a:solidFill>
+            </a:endParaRPr>
+          </a:p>
+          <a:p>
+            <a:pPr marL="283878" indent="-283878">
+              <a:buFont typeface="Arial"/>
+              <a:buChar char="•"/>
+              <a:defRPr/>
+            </a:pPr>
+            <a:r>
+              <a:rPr sz="1400" b="0">
+                <a:solidFill>
+                  <a:schemeClr val="bg1"/>
+                </a:solidFill>
+              </a:rPr>
+              <a:t>The method </a:t>
+            </a:r>
+            <a:r>
+              <a:rPr sz="1400" b="1">
+                <a:solidFill>
+                  <a:schemeClr val="bg1"/>
+                </a:solidFill>
+              </a:rPr>
+              <a:t>controller.addStatusListener</a:t>
+            </a:r>
+            <a:r>
+              <a:rPr sz="1400" b="0">
+                <a:solidFill>
+                  <a:schemeClr val="bg1"/>
+                </a:solidFill>
+              </a:rPr>
+              <a:t> allows you to see if the animation has finished</a:t>
+            </a:r>
+            <a:endParaRPr sz="1400" b="0">
+              <a:solidFill>
+                <a:schemeClr val="bg1"/>
+              </a:solidFill>
+            </a:endParaRPr>
+          </a:p>
+          <a:p>
+            <a:pPr marL="683928" lvl="1" indent="-283878">
+              <a:buFont typeface="Arial"/>
+              <a:buChar char="•"/>
+              <a:defRPr/>
+            </a:pPr>
+            <a:r>
+              <a:rPr sz="1400" b="0">
+                <a:solidFill>
+                  <a:schemeClr val="bg1"/>
+                </a:solidFill>
+              </a:rPr>
+              <a:t>AnimationStatus.completed</a:t>
+            </a:r>
+            <a:endParaRPr sz="1400" b="0">
+              <a:solidFill>
+                <a:schemeClr val="bg1"/>
+              </a:solidFill>
+            </a:endParaRPr>
+          </a:p>
+          <a:p>
+            <a:pPr marL="683928" lvl="1" indent="-283878">
+              <a:buFont typeface="Arial"/>
+              <a:buChar char="•"/>
+              <a:defRPr/>
+            </a:pPr>
+            <a:r>
+              <a:rPr sz="1400" b="0">
+                <a:solidFill>
+                  <a:schemeClr val="bg1"/>
+                </a:solidFill>
+              </a:rPr>
+              <a:t>AnimationStatus.dismissed</a:t>
+            </a:r>
+            <a:endParaRPr sz="1400" b="0">
+              <a:solidFill>
+                <a:schemeClr val="bg1"/>
+              </a:solidFill>
+            </a:endParaRPr>
+          </a:p>
+          <a:p>
+            <a:pPr marL="283878" indent="-283878">
+              <a:buFont typeface="Arial"/>
+              <a:buChar char="•"/>
+              <a:defRPr/>
+            </a:pPr>
+            <a:r>
+              <a:rPr sz="1400" b="0">
+                <a:solidFill>
+                  <a:srgbClr val="FF0000"/>
+                </a:solidFill>
+              </a:rPr>
+              <a:t>Animations take A LOT of resources, thus they need to be DISPOSED when the screen changes!</a:t>
+            </a:r>
+            <a:endParaRPr sz="1400" b="0">
+              <a:solidFill>
+                <a:srgbClr val="FF0000"/>
+              </a:solidFill>
+            </a:endParaRPr>
+          </a:p>
+          <a:p>
+            <a:pPr marL="283878" indent="-283878">
+              <a:buFont typeface="Arial"/>
+              <a:buChar char="•"/>
+              <a:defRPr/>
+            </a:pPr>
+            <a:r>
+              <a:rPr sz="1400" b="0">
+                <a:solidFill>
+                  <a:srgbClr val="FFFF00"/>
+                </a:solidFill>
+              </a:rPr>
+              <a:t>We can also use the TWEEN class of animations, which offer a much simpler way of having two-value animations</a:t>
+            </a:r>
+            <a:endParaRPr sz="1400" b="0">
+              <a:solidFill>
+                <a:srgbClr val="FFFF00"/>
+              </a:solidFill>
+            </a:endParaRPr>
+          </a:p>
+          <a:p>
+            <a:pPr marL="283878" indent="-283878">
+              <a:buFont typeface="Arial"/>
+              <a:buChar char="•"/>
+              <a:defRPr/>
+            </a:pPr>
+            <a:endParaRPr sz="1400" b="0">
+              <a:solidFill>
+                <a:schemeClr val="bg1"/>
+              </a:solidFill>
+            </a:endParaRPr>
+          </a:p>
+          <a:p>
+            <a:pPr marL="283878" indent="-283878">
+              <a:buFont typeface="Arial"/>
+              <a:buChar char="•"/>
+              <a:defRPr/>
+            </a:pPr>
+            <a:endParaRPr sz="1400" b="0">
+              <a:solidFill>
+                <a:schemeClr val="bg1"/>
+              </a:solidFill>
+            </a:endParaRPr>
+          </a:p>
+          <a:p>
+            <a:pPr marL="283878" indent="-283878">
+              <a:buFont typeface="Arial"/>
+              <a:buChar char="•"/>
+              <a:defRPr/>
+            </a:pPr>
+            <a:endParaRPr sz="1400" b="1" i="0">
+              <a:solidFill>
+                <a:schemeClr val="bg1"/>
+              </a:solidFill>
+            </a:endParaRPr>
+          </a:p>
+          <a:p>
+            <a:pPr marL="283878" indent="-283878">
+              <a:buFont typeface="Arial"/>
+              <a:buChar char="•"/>
+              <a:defRPr/>
+            </a:pPr>
+            <a:endParaRPr sz="1400" b="1" i="0">
+              <a:solidFill>
+                <a:schemeClr val="bg1"/>
+              </a:solidFill>
+            </a:endParaRPr>
+          </a:p>
+          <a:p>
+            <a:pPr marL="283878" indent="-283878">
+              <a:buFont typeface="Arial"/>
+              <a:buChar char="•"/>
+              <a:defRPr/>
+            </a:pPr>
+            <a:endParaRPr sz="1400" b="0" i="1">
+              <a:solidFill>
+                <a:schemeClr val="bg1"/>
+              </a:solidFill>
+            </a:endParaRPr>
+          </a:p>
+        </p:txBody>
+      </p:sp>
+      <p:sp>
+        <p:nvSpPr>
+          <p:cNvPr id="11" name="" hidden="0"/>
+          <p:cNvSpPr/>
+          <p:nvPr isPhoto="0" userDrawn="0"/>
+        </p:nvSpPr>
+        <p:spPr bwMode="auto">
+          <a:xfrm flipH="1" flipV="0">
+            <a:off x="8167155" y="1918081"/>
+            <a:ext cx="390521" cy="276221"/>
+          </a:xfrm>
+          <a:prstGeom prst="rightArrow">
+            <a:avLst>
+              <a:gd name="adj1" fmla="val 50000"/>
+              <a:gd name="adj2" fmla="val 50000"/>
+            </a:avLst>
+          </a:prstGeom>
+          <a:solidFill>
+            <a:srgbClr val="C00000"/>
+          </a:solidFill>
+          <a:ln w="12700" cap="flat" cmpd="sng" algn="ctr">
+            <a:solidFill>
+              <a:srgbClr val="FF0000"/>
+            </a:solidFill>
+            <a:prstDash val="solid"/>
+            <a:miter/>
+          </a:ln>
+        </p:spPr>
+        <p:style>
+          <a:lnRef idx="2">
+            <a:schemeClr val="accent1">
+              <a:shade val="50000"/>
+            </a:schemeClr>
+          </a:lnRef>
+          <a:fillRef idx="1">
+            <a:schemeClr val="accent1"/>
+          </a:fillRef>
+          <a:effectRef idx="0">
+            <a:schemeClr val="accent1"/>
+          </a:effectRef>
+          <a:fontRef idx="minor">
+            <a:schemeClr val="lt1"/>
+          </a:fontRef>
+        </p:style>
+      </p:sp>
+    </p:spTree>
+  </p:cSld>
+  <p:clrMapOvr>
+    <a:masterClrMapping/>
+  </p:clrMapOvr>
+  <mc:AlternateContent xmlns:mc="http://schemas.openxmlformats.org/markup-compatibility/2006">
+    <mc:Choice xmlns:p14="http://schemas.microsoft.com/office/powerpoint/2010/main" Requires="p14">
+      <p:transition p14:dur="2000" advClick="1"/>
+    </mc:Choice>
+    <mc:Fallback>
+      <p:transition advClick="1"/>
+    </mc:Fallback>
+  </mc:AlternateContent>
+</p:sld>
+</file>
+
 <file path=ppt/theme/theme1.xml><?xml version="1.0" encoding="utf-8"?>
 <a:theme xmlns:a="http://schemas.openxmlformats.org/drawingml/2006/main" xmlns:r="http://schemas.openxmlformats.org/officeDocument/2006/relationships" xmlns:p="http://schemas.openxmlformats.org/presentationml/2006/main" name="Office Theme">
   <a:themeElements>
